--- a/Batch-10/Proff Lecture Material/16. IP Address.pptx
+++ b/Batch-10/Proff Lecture Material/16. IP Address.pptx
@@ -304,7 +304,7 @@
             <a:fld id="{1D8BD707-D9CF-40AE-B4C6-C98DA3205C09}" type="datetimeFigureOut">
               <a:rPr lang="en-US" smtClean="0"/>
               <a:pPr/>
-              <a:t>8/23/2022</a:t>
+              <a:t>1/26/2023</a:t>
             </a:fld>
             <a:endParaRPr lang="en-US"/>
           </a:p>
@@ -470,7 +470,7 @@
             <a:fld id="{1D8BD707-D9CF-40AE-B4C6-C98DA3205C09}" type="datetimeFigureOut">
               <a:rPr lang="en-US" smtClean="0"/>
               <a:pPr/>
-              <a:t>8/23/2022</a:t>
+              <a:t>1/26/2023</a:t>
             </a:fld>
             <a:endParaRPr lang="en-US"/>
           </a:p>
@@ -646,7 +646,7 @@
             <a:fld id="{1D8BD707-D9CF-40AE-B4C6-C98DA3205C09}" type="datetimeFigureOut">
               <a:rPr lang="en-US" smtClean="0"/>
               <a:pPr/>
-              <a:t>8/23/2022</a:t>
+              <a:t>1/26/2023</a:t>
             </a:fld>
             <a:endParaRPr lang="en-US"/>
           </a:p>
@@ -812,7 +812,7 @@
             <a:fld id="{1D8BD707-D9CF-40AE-B4C6-C98DA3205C09}" type="datetimeFigureOut">
               <a:rPr lang="en-US" smtClean="0"/>
               <a:pPr/>
-              <a:t>8/23/2022</a:t>
+              <a:t>1/26/2023</a:t>
             </a:fld>
             <a:endParaRPr lang="en-US"/>
           </a:p>
@@ -1055,7 +1055,7 @@
             <a:fld id="{1D8BD707-D9CF-40AE-B4C6-C98DA3205C09}" type="datetimeFigureOut">
               <a:rPr lang="en-US" smtClean="0"/>
               <a:pPr/>
-              <a:t>8/23/2022</a:t>
+              <a:t>1/26/2023</a:t>
             </a:fld>
             <a:endParaRPr lang="en-US"/>
           </a:p>
@@ -1320,7 +1320,7 @@
             <a:fld id="{1D8BD707-D9CF-40AE-B4C6-C98DA3205C09}" type="datetimeFigureOut">
               <a:rPr lang="en-US" smtClean="0"/>
               <a:pPr/>
-              <a:t>8/23/2022</a:t>
+              <a:t>1/26/2023</a:t>
             </a:fld>
             <a:endParaRPr lang="en-US"/>
           </a:p>
@@ -1699,7 +1699,7 @@
             <a:fld id="{1D8BD707-D9CF-40AE-B4C6-C98DA3205C09}" type="datetimeFigureOut">
               <a:rPr lang="en-US" smtClean="0"/>
               <a:pPr/>
-              <a:t>8/23/2022</a:t>
+              <a:t>1/26/2023</a:t>
             </a:fld>
             <a:endParaRPr lang="en-US"/>
           </a:p>
@@ -1850,7 +1850,7 @@
             <a:fld id="{1D8BD707-D9CF-40AE-B4C6-C98DA3205C09}" type="datetimeFigureOut">
               <a:rPr lang="en-US" smtClean="0"/>
               <a:pPr/>
-              <a:t>8/23/2022</a:t>
+              <a:t>1/26/2023</a:t>
             </a:fld>
             <a:endParaRPr lang="en-US"/>
           </a:p>
@@ -1942,7 +1942,7 @@
             <a:fld id="{1D8BD707-D9CF-40AE-B4C6-C98DA3205C09}" type="datetimeFigureOut">
               <a:rPr lang="en-US" smtClean="0"/>
               <a:pPr/>
-              <a:t>8/23/2022</a:t>
+              <a:t>1/26/2023</a:t>
             </a:fld>
             <a:endParaRPr lang="en-US"/>
           </a:p>
@@ -2204,7 +2204,7 @@
             <a:fld id="{1D8BD707-D9CF-40AE-B4C6-C98DA3205C09}" type="datetimeFigureOut">
               <a:rPr lang="en-US" smtClean="0"/>
               <a:pPr/>
-              <a:t>8/23/2022</a:t>
+              <a:t>1/26/2023</a:t>
             </a:fld>
             <a:endParaRPr lang="en-US"/>
           </a:p>
@@ -2493,7 +2493,7 @@
             <a:fld id="{1D8BD707-D9CF-40AE-B4C6-C98DA3205C09}" type="datetimeFigureOut">
               <a:rPr lang="en-US" smtClean="0"/>
               <a:pPr/>
-              <a:t>8/23/2022</a:t>
+              <a:t>1/26/2023</a:t>
             </a:fld>
             <a:endParaRPr lang="en-US"/>
           </a:p>
@@ -3264,7 +3264,7 @@
             <a:fld id="{1D8BD707-D9CF-40AE-B4C6-C98DA3205C09}" type="datetimeFigureOut">
               <a:rPr lang="en-US" smtClean="0"/>
               <a:pPr/>
-              <a:t>8/23/2022</a:t>
+              <a:t>1/26/2023</a:t>
             </a:fld>
             <a:endParaRPr lang="en-US"/>
           </a:p>
@@ -4172,187 +4172,36 @@
       </p:sp>
       <p:sp>
         <p:nvSpPr>
-          <p:cNvPr id="3" name="object 3"/>
+          <p:cNvPr id="7" name="TextBox 6">
+            <a:extLst>
+              <a:ext uri="{FF2B5EF4-FFF2-40B4-BE49-F238E27FC236}">
+                <a16:creationId xmlns:a16="http://schemas.microsoft.com/office/drawing/2014/main" id="{150CA364-AA2B-F60C-24CB-531B6025751C}"/>
+              </a:ext>
+            </a:extLst>
+          </p:cNvPr>
           <p:cNvSpPr txBox="1"/>
           <p:nvPr/>
         </p:nvSpPr>
         <p:spPr>
           <a:xfrm>
-            <a:off x="690473" y="2052955"/>
-            <a:ext cx="7043420" cy="1494790"/>
+            <a:off x="533400" y="2072813"/>
+            <a:ext cx="6327913" cy="646331"/>
           </a:xfrm>
           <a:prstGeom prst="rect">
             <a:avLst/>
           </a:prstGeom>
+          <a:noFill/>
         </p:spPr>
         <p:txBody>
-          <a:bodyPr vert="horz" wrap="square" lIns="0" tIns="12700" rIns="0" bIns="0" rtlCol="0">
+          <a:bodyPr wrap="square">
             <a:spAutoFit/>
           </a:bodyPr>
           <a:lstStyle/>
           <a:p>
-            <a:pPr marL="12700" marR="5080" algn="just">
-              <a:lnSpc>
-                <a:spcPct val="107100"/>
-              </a:lnSpc>
-              <a:spcBef>
-                <a:spcPts val="100"/>
-              </a:spcBef>
-            </a:pPr>
-            <a:r>
-              <a:rPr sz="1800" dirty="0">
-                <a:latin typeface="DejaVu Sans"/>
-                <a:cs typeface="DejaVu Sans"/>
-              </a:rPr>
-              <a:t>This is a way to allow more flexible allocation of IP addresses than was  possible with the original system of </a:t>
-            </a:r>
-            <a:r>
-              <a:rPr sz="1800" u="heavy" dirty="0">
-                <a:solidFill>
-                  <a:srgbClr val="0000FF"/>
-                </a:solidFill>
-                <a:uFill>
-                  <a:solidFill>
-                    <a:srgbClr val="0000FF"/>
-                  </a:solidFill>
-                </a:uFill>
-                <a:latin typeface="DejaVu Sans"/>
-                <a:cs typeface="DejaVu Sans"/>
-                <a:hlinkClick r:id="rId2"/>
-              </a:rPr>
-              <a:t>IP address</a:t>
-            </a:r>
-            <a:r>
-              <a:rPr sz="1800" dirty="0">
-                <a:solidFill>
-                  <a:srgbClr val="0000FF"/>
-                </a:solidFill>
-                <a:latin typeface="DejaVu Sans"/>
-                <a:cs typeface="DejaVu Sans"/>
-                <a:hlinkClick r:id="rId2"/>
-              </a:rPr>
-              <a:t> </a:t>
-            </a:r>
-            <a:r>
-              <a:rPr sz="1800" dirty="0">
-                <a:latin typeface="DejaVu Sans"/>
-                <a:cs typeface="DejaVu Sans"/>
-              </a:rPr>
-              <a:t>classes. As a result, the  number of available Internet addresses now increased, which along with  widespread use  of network address translation (</a:t>
-            </a:r>
-            <a:r>
-              <a:rPr sz="1800" u="heavy" dirty="0">
-                <a:solidFill>
-                  <a:srgbClr val="0000FF"/>
-                </a:solidFill>
-                <a:uFill>
-                  <a:solidFill>
-                    <a:srgbClr val="0000FF"/>
-                  </a:solidFill>
-                </a:uFill>
-                <a:latin typeface="DejaVu Sans"/>
-                <a:cs typeface="DejaVu Sans"/>
-                <a:hlinkClick r:id="rId3"/>
-              </a:rPr>
-              <a:t>NAT</a:t>
-            </a:r>
-            <a:r>
-              <a:rPr sz="1800" dirty="0">
-                <a:latin typeface="DejaVu Sans"/>
-                <a:cs typeface="DejaVu Sans"/>
-              </a:rPr>
-              <a:t>), has significantly  extended the useful life of IPv4.</a:t>
-            </a:r>
-            <a:endParaRPr sz="1800">
-              <a:latin typeface="DejaVu Sans"/>
-              <a:cs typeface="DejaVu Sans"/>
-            </a:endParaRPr>
-          </a:p>
-        </p:txBody>
-      </p:sp>
-      <p:sp>
-        <p:nvSpPr>
-          <p:cNvPr id="4" name="object 4"/>
-          <p:cNvSpPr txBox="1"/>
-          <p:nvPr/>
-        </p:nvSpPr>
-        <p:spPr>
-          <a:xfrm>
-            <a:off x="690473" y="3973831"/>
-            <a:ext cx="958850" cy="443711"/>
-          </a:xfrm>
-          <a:prstGeom prst="rect">
-            <a:avLst/>
-          </a:prstGeom>
-        </p:spPr>
-        <p:txBody>
-          <a:bodyPr vert="horz" wrap="square" lIns="0" tIns="12700" rIns="0" bIns="0" rtlCol="0">
-            <a:spAutoFit/>
-          </a:bodyPr>
-          <a:lstStyle/>
-          <a:p>
-            <a:pPr marL="12700">
-              <a:lnSpc>
-                <a:spcPct val="100000"/>
-              </a:lnSpc>
-              <a:spcBef>
-                <a:spcPts val="100"/>
-              </a:spcBef>
-            </a:pPr>
-            <a:r>
-              <a:rPr sz="1400" dirty="0">
-                <a:latin typeface="DejaVu Sans"/>
-                <a:cs typeface="DejaVu Sans"/>
-              </a:rPr>
-              <a:t>For Example:</a:t>
-            </a:r>
-            <a:endParaRPr sz="1400">
-              <a:latin typeface="DejaVu Sans"/>
-              <a:cs typeface="DejaVu Sans"/>
-            </a:endParaRPr>
-          </a:p>
-        </p:txBody>
-      </p:sp>
-      <p:sp>
-        <p:nvSpPr>
-          <p:cNvPr id="5" name="object 5"/>
-          <p:cNvSpPr txBox="1"/>
-          <p:nvPr/>
-        </p:nvSpPr>
-        <p:spPr>
-          <a:xfrm>
-            <a:off x="1783460" y="3857092"/>
-            <a:ext cx="5467350" cy="638060"/>
-          </a:xfrm>
-          <a:prstGeom prst="rect">
-            <a:avLst/>
-          </a:prstGeom>
-        </p:spPr>
-        <p:txBody>
-          <a:bodyPr vert="horz" wrap="square" lIns="0" tIns="12700" rIns="0" bIns="0" rtlCol="0">
-            <a:spAutoFit/>
-          </a:bodyPr>
-          <a:lstStyle/>
-          <a:p>
-            <a:pPr marL="32384" marR="5080" indent="-20320">
-              <a:lnSpc>
-                <a:spcPct val="155000"/>
-              </a:lnSpc>
-              <a:spcBef>
-                <a:spcPts val="100"/>
-              </a:spcBef>
-            </a:pPr>
-            <a:r>
-              <a:rPr sz="1400" dirty="0">
-                <a:latin typeface="DejaVu Sans"/>
-                <a:cs typeface="DejaVu Sans"/>
-              </a:rPr>
-              <a:t>10.10.10.0/24 By default 10.X.X.X range belongs to class A with /8 notation  But here, you see, we can use /24 notation instead of /8</a:t>
-            </a:r>
-            <a:endParaRPr sz="1400">
-              <a:latin typeface="DejaVu Sans"/>
-              <a:cs typeface="DejaVu Sans"/>
-            </a:endParaRPr>
+            <a:r>
+              <a:rPr lang="en-US" dirty="0"/>
+              <a:t>CIDR blocks are groups of addresses that share the same prefix and contain the same number of bits.</a:t>
+            </a:r>
           </a:p>
         </p:txBody>
       </p:sp>
@@ -4393,8 +4242,8 @@
         </p:nvSpPr>
         <p:spPr>
           <a:xfrm>
-            <a:off x="618540" y="945515"/>
-            <a:ext cx="2459990" cy="330835"/>
+            <a:off x="990600" y="590550"/>
+            <a:ext cx="6468060" cy="690574"/>
           </a:xfrm>
           <a:prstGeom prst="rect">
             <a:avLst/>
@@ -4406,7 +4255,7 @@
           </a:bodyPr>
           <a:lstStyle/>
           <a:p>
-            <a:pPr marL="12700">
+            <a:pPr marL="12700" algn="ctr">
               <a:lnSpc>
                 <a:spcPct val="100000"/>
               </a:lnSpc>
@@ -4415,7 +4264,7 @@
               </a:spcBef>
             </a:pPr>
             <a:r>
-              <a:rPr sz="2000" b="1" dirty="0">
+              <a:rPr sz="4400" b="1" dirty="0">
                 <a:solidFill>
                   <a:schemeClr val="tx1"/>
                 </a:solidFill>
@@ -4423,7 +4272,7 @@
               <a:t>What </a:t>
             </a:r>
             <a:r>
-              <a:rPr lang="en-US" sz="2000" b="1" dirty="0">
+              <a:rPr lang="en-US" sz="4400" b="1" dirty="0">
                 <a:solidFill>
                   <a:schemeClr val="tx1"/>
                 </a:solidFill>
@@ -4431,7 +4280,7 @@
               <a:t> </a:t>
             </a:r>
             <a:r>
-              <a:rPr sz="2000" b="1" dirty="0">
+              <a:rPr sz="4400" b="1" dirty="0">
                 <a:solidFill>
                   <a:schemeClr val="tx1"/>
                 </a:solidFill>
@@ -4661,8 +4510,8 @@
         </p:nvSpPr>
         <p:spPr>
           <a:xfrm>
-            <a:off x="618540" y="711835"/>
-            <a:ext cx="2238375" cy="452120"/>
+            <a:off x="2971800" y="710580"/>
+            <a:ext cx="2971800" cy="627736"/>
           </a:xfrm>
           <a:prstGeom prst="rect">
             <a:avLst/>
@@ -4683,7 +4532,7 @@
               </a:spcBef>
             </a:pPr>
             <a:r>
-              <a:rPr sz="2800" b="1" spc="-10" dirty="0">
+              <a:rPr sz="4000" b="1" spc="-10" dirty="0">
                 <a:solidFill>
                   <a:schemeClr val="tx1"/>
                 </a:solidFill>
@@ -4693,7 +4542,7 @@
               <a:t>Subnet</a:t>
             </a:r>
             <a:r>
-              <a:rPr sz="2800" b="1" spc="-25" dirty="0">
+              <a:rPr sz="4000" b="1" spc="-25" dirty="0">
                 <a:solidFill>
                   <a:schemeClr val="tx1"/>
                 </a:solidFill>
@@ -4703,7 +4552,7 @@
               <a:t> </a:t>
             </a:r>
             <a:r>
-              <a:rPr sz="2800" b="1" spc="-5" dirty="0">
+              <a:rPr sz="4000" b="1" spc="-5" dirty="0">
                 <a:solidFill>
                   <a:schemeClr val="tx1"/>
                 </a:solidFill>
@@ -4712,7 +4561,7 @@
               </a:rPr>
               <a:t>mask</a:t>
             </a:r>
-            <a:endParaRPr sz="2800" b="1" dirty="0">
+            <a:endParaRPr sz="4000" b="1" dirty="0">
               <a:solidFill>
                 <a:schemeClr val="tx1"/>
               </a:solidFill>
@@ -5257,7 +5106,7 @@
         </p:nvSpPr>
         <p:spPr>
           <a:xfrm>
-            <a:off x="762000" y="1047750"/>
+            <a:off x="1377696" y="1039368"/>
             <a:ext cx="6388608" cy="4104132"/>
           </a:xfrm>
           <a:prstGeom prst="rect">
@@ -5286,8 +5135,8 @@
         </p:nvSpPr>
         <p:spPr>
           <a:xfrm>
-            <a:off x="784412" y="757927"/>
-            <a:ext cx="2289861" cy="289823"/>
+            <a:off x="2207869" y="590550"/>
+            <a:ext cx="4728261" cy="505267"/>
           </a:xfrm>
           <a:prstGeom prst="rect">
             <a:avLst/>
@@ -5308,7 +5157,7 @@
               </a:spcBef>
             </a:pPr>
             <a:r>
-              <a:rPr sz="1800" b="1" dirty="0">
+              <a:rPr sz="3200" b="1" dirty="0">
                 <a:latin typeface="DejaVu Sans"/>
                 <a:cs typeface="DejaVu Sans"/>
               </a:rPr>
@@ -5708,7 +5557,7 @@
         </p:nvSpPr>
         <p:spPr>
           <a:xfrm>
-            <a:off x="762406" y="590550"/>
+            <a:off x="611821" y="634275"/>
             <a:ext cx="2159635" cy="330835"/>
           </a:xfrm>
           <a:prstGeom prst="rect">
@@ -5784,7 +5633,7 @@
         <p:spPr>
           <a:xfrm>
             <a:off x="533400" y="965110"/>
-            <a:ext cx="8382000" cy="1754326"/>
+            <a:ext cx="8382000" cy="2585323"/>
           </a:xfrm>
           <a:prstGeom prst="rect">
             <a:avLst/>
@@ -5799,14 +5648,31 @@
           <a:p>
             <a:r>
               <a:rPr lang="en-US" dirty="0"/>
-              <a:t>A private IP address is an IP address that's reserved for internal use behind  a router or other Network Address Translation (NAT) devices, apart from the public.</a:t>
-            </a:r>
+              <a:t>A private IP address is an IP address that's reserved for internal use behind  a router or other Network Address Translation (NAT) devices.</a:t>
+            </a:r>
+          </a:p>
+          <a:p>
+            <a:endParaRPr lang="en-US" dirty="0"/>
+          </a:p>
+          <a:p>
+            <a:r>
+              <a:rPr lang="en-US" sz="1800" b="1" dirty="0">
+                <a:solidFill>
+                  <a:schemeClr val="tx1"/>
+                </a:solidFill>
+              </a:rPr>
+              <a:t>Public IP Addresses</a:t>
+            </a:r>
+            <a:endParaRPr lang="en-US" dirty="0"/>
           </a:p>
           <a:p>
             <a:r>
               <a:rPr lang="en-US" dirty="0"/>
               <a:t>Public IP addresses are allocated to Internet faced routers and Servers, which can be able to access internet directly.</a:t>
             </a:r>
+          </a:p>
+          <a:p>
+            <a:endParaRPr lang="en-US" dirty="0"/>
           </a:p>
           <a:p>
             <a:r>
